--- a/PhpStorm_Workshop.pptx
+++ b/PhpStorm_Workshop.pptx
@@ -448,7 +448,7 @@
       </p14:sectionLst>
     </p:ext>
     <p:ext uri="{EFAFB233-063F-42B5-8137-9DF3F51BA10A}">
-      <p15:sldGuideLst xmlns:p15="http://schemas.microsoft.com/office/powerpoint/2012/main"/>
+      <p15:sldGuideLst xmlns="" xmlns:p15="http://schemas.microsoft.com/office/powerpoint/2012/main"/>
     </p:ext>
   </p:extLst>
 </p:presentation>
@@ -536,7 +536,7 @@
           <a:p>
             <a:fld id="{452BE2B3-0986-4328-AEFF-1FEDD7FB83AD}" type="datetimeFigureOut">
               <a:rPr lang="nl-BE" smtClean="0"/>
-              <a:t>30/07/2014</a:t>
+              <a:t>17/02/2016</a:t>
             </a:fld>
             <a:endParaRPr lang="nl-BE"/>
           </a:p>
@@ -10531,7 +10531,7 @@
         <p:spPr/>
         <p:txBody>
           <a:bodyPr>
-            <a:normAutofit/>
+            <a:normAutofit lnSpcReduction="10000"/>
           </a:bodyPr>
           <a:lstStyle/>
           <a:p>
@@ -11014,7 +11014,7 @@
         <p:spPr/>
         <p:txBody>
           <a:bodyPr>
-            <a:normAutofit/>
+            <a:normAutofit lnSpcReduction="10000"/>
           </a:bodyPr>
           <a:lstStyle/>
           <a:p>
@@ -12901,7 +12901,15 @@
           <a:p>
             <a:r>
               <a:rPr lang="en-US" dirty="0" smtClean="0"/>
-              <a:t>Make sure you have PhpStorm 7.1+ installed</a:t>
+              <a:t>Make sure you have </a:t>
+            </a:r>
+            <a:r>
+              <a:rPr lang="en-US" dirty="0" err="1" smtClean="0"/>
+              <a:t>PhpStorm</a:t>
+            </a:r>
+            <a:r>
+              <a:rPr lang="en-US" dirty="0" smtClean="0"/>
+              <a:t> 11+ installed</a:t>
             </a:r>
           </a:p>
           <a:p>
@@ -12939,56 +12947,16 @@
           <a:p>
             <a:r>
               <a:rPr lang="en-US" dirty="0" smtClean="0"/>
-              <a:t>Make sure you have a PHP runtime, webserver, MySQL, for example</a:t>
-            </a:r>
-          </a:p>
-          <a:p>
-            <a:pPr lvl="1"/>
+              <a:t>Make sure you have a Vagrant 1.8.*+ and </a:t>
+            </a:r>
+            <a:r>
+              <a:rPr lang="en-US" dirty="0" err="1" smtClean="0"/>
+              <a:t>VirtualBox</a:t>
+            </a:r>
             <a:r>
               <a:rPr lang="en-US" dirty="0" smtClean="0"/>
-              <a:t>XAMPP </a:t>
-            </a:r>
-            <a:r>
-              <a:rPr lang="en-US" dirty="0"/>
-              <a:t>(Windows) - </a:t>
-            </a:r>
-            <a:r>
-              <a:rPr lang="en-US" dirty="0">
-                <a:hlinkClick r:id="rId4"/>
-              </a:rPr>
-              <a:t>http://</a:t>
-            </a:r>
-            <a:r>
-              <a:rPr lang="en-US" dirty="0" smtClean="0">
-                <a:hlinkClick r:id="rId4"/>
-              </a:rPr>
-              <a:t>bit.ly/phpstorm-xampp</a:t>
-            </a:r>
-            <a:endParaRPr lang="en-US" dirty="0" smtClean="0"/>
-          </a:p>
-          <a:p>
-            <a:pPr lvl="1"/>
-            <a:r>
-              <a:rPr lang="en-US" dirty="0"/>
-              <a:t>MAMP (Mac OS X) - </a:t>
-            </a:r>
-            <a:r>
-              <a:rPr lang="en-US" dirty="0">
-                <a:hlinkClick r:id="rId5"/>
-              </a:rPr>
-              <a:t>http://</a:t>
-            </a:r>
-            <a:r>
-              <a:rPr lang="en-US" dirty="0" smtClean="0">
-                <a:hlinkClick r:id="rId5"/>
-              </a:rPr>
-              <a:t>bit.ly/phpstorm-mamp</a:t>
-            </a:r>
-            <a:r>
-              <a:rPr lang="en-US" dirty="0" smtClean="0"/>
-              <a:t> </a:t>
-            </a:r>
-            <a:endParaRPr lang="en-US" dirty="0"/>
+              <a:t> 5.*+</a:t>
+            </a:r>
           </a:p>
           <a:p>
             <a:r>
@@ -14248,7 +14216,7 @@
         <p:spPr/>
         <p:txBody>
           <a:bodyPr>
-            <a:normAutofit fontScale="92500" lnSpcReduction="10000"/>
+            <a:normAutofit fontScale="92500" lnSpcReduction="20000"/>
           </a:bodyPr>
           <a:lstStyle/>
           <a:p>
@@ -15348,7 +15316,15 @@
           <a:p>
             <a:r>
               <a:rPr lang="en-US" dirty="0" smtClean="0"/>
-              <a:t>This course covers PhpStorm 7.1</a:t>
+              <a:t>This course covers </a:t>
+            </a:r>
+            <a:r>
+              <a:rPr lang="en-US" dirty="0" err="1" smtClean="0"/>
+              <a:t>PhpStorm</a:t>
+            </a:r>
+            <a:r>
+              <a:rPr lang="en-US" dirty="0" smtClean="0"/>
+              <a:t> 11</a:t>
             </a:r>
           </a:p>
           <a:p>
@@ -31194,7 +31170,7 @@
   <a:extraClrSchemeLst/>
   <a:extLst>
     <a:ext uri="{05A4C25C-085E-4340-85A3-A5531E510DB2}">
-      <thm15:themeFamily xmlns:thm15="http://schemas.microsoft.com/office/thememl/2012/main" name="Template_16-9.potx" id="{96EF4536-88EA-49FB-9856-8481ACC499ED}" vid="{7631C58C-CFF4-47BC-816A-369AA9B18CF0}"/>
+      <thm15:themeFamily xmlns="" xmlns:thm15="http://schemas.microsoft.com/office/thememl/2012/main" name="Template_16-9.potx" id="{96EF4536-88EA-49FB-9856-8481ACC499ED}" vid="{7631C58C-CFF4-47BC-816A-369AA9B18CF0}"/>
     </a:ext>
   </a:extLst>
 </a:theme>
@@ -31455,7 +31431,7 @@
   <a:extraClrSchemeLst/>
   <a:extLst>
     <a:ext uri="{05A4C25C-085E-4340-85A3-A5531E510DB2}">
-      <thm15:themeFamily xmlns:thm15="http://schemas.microsoft.com/office/thememl/2012/main" name="Office Theme" id="{62F939B6-93AF-4DB8-9C6B-D6C7DFDC589F}" vid="{4A3C46E8-61CC-4603-A589-7422A47A8E4A}"/>
+      <thm15:themeFamily xmlns="" xmlns:thm15="http://schemas.microsoft.com/office/thememl/2012/main" name="Office Theme" id="{62F939B6-93AF-4DB8-9C6B-D6C7DFDC589F}" vid="{4A3C46E8-61CC-4603-A589-7422A47A8E4A}"/>
     </a:ext>
   </a:extLst>
 </a:theme>

--- a/PhpStorm_Workshop.pptx
+++ b/PhpStorm_Workshop.pptx
@@ -448,7 +448,7 @@
       </p14:sectionLst>
     </p:ext>
     <p:ext uri="{EFAFB233-063F-42B5-8137-9DF3F51BA10A}">
-      <p15:sldGuideLst xmlns="" xmlns:p15="http://schemas.microsoft.com/office/powerpoint/2012/main"/>
+      <p15:sldGuideLst xmlns:p15="http://schemas.microsoft.com/office/powerpoint/2012/main" xmlns=""/>
     </p:ext>
   </p:extLst>
 </p:presentation>
@@ -536,7 +536,7 @@
           <a:p>
             <a:fld id="{452BE2B3-0986-4328-AEFF-1FEDD7FB83AD}" type="datetimeFigureOut">
               <a:rPr lang="nl-BE" smtClean="0"/>
-              <a:t>17/02/2016</a:t>
+              <a:t>28/04/2016</a:t>
             </a:fld>
             <a:endParaRPr lang="nl-BE"/>
           </a:p>
@@ -12909,7 +12909,19 @@
             </a:r>
             <a:r>
               <a:rPr lang="en-US" dirty="0" smtClean="0"/>
-              <a:t> 11+ installed</a:t>
+              <a:t> </a:t>
+            </a:r>
+            <a:r>
+              <a:rPr lang="en-US" dirty="0" smtClean="0"/>
+              <a:t>2016.1</a:t>
+            </a:r>
+            <a:r>
+              <a:rPr lang="en-US" dirty="0" smtClean="0"/>
+              <a:t>+ </a:t>
+            </a:r>
+            <a:r>
+              <a:rPr lang="en-US" dirty="0" smtClean="0"/>
+              <a:t>installed</a:t>
             </a:r>
           </a:p>
           <a:p>
@@ -15324,8 +15336,13 @@
             </a:r>
             <a:r>
               <a:rPr lang="en-US" dirty="0" smtClean="0"/>
-              <a:t> 11</a:t>
-            </a:r>
+              <a:t> </a:t>
+            </a:r>
+            <a:r>
+              <a:rPr lang="en-US" dirty="0" smtClean="0"/>
+              <a:t>2016.1</a:t>
+            </a:r>
+            <a:endParaRPr lang="en-US" dirty="0" smtClean="0"/>
           </a:p>
           <a:p>
             <a:pPr lvl="1"/>
@@ -31170,7 +31187,7 @@
   <a:extraClrSchemeLst/>
   <a:extLst>
     <a:ext uri="{05A4C25C-085E-4340-85A3-A5531E510DB2}">
-      <thm15:themeFamily xmlns="" xmlns:thm15="http://schemas.microsoft.com/office/thememl/2012/main" name="Template_16-9.potx" id="{96EF4536-88EA-49FB-9856-8481ACC499ED}" vid="{7631C58C-CFF4-47BC-816A-369AA9B18CF0}"/>
+      <thm15:themeFamily xmlns:thm15="http://schemas.microsoft.com/office/thememl/2012/main" xmlns="" name="Template_16-9.potx" id="{96EF4536-88EA-49FB-9856-8481ACC499ED}" vid="{7631C58C-CFF4-47BC-816A-369AA9B18CF0}"/>
     </a:ext>
   </a:extLst>
 </a:theme>
@@ -31431,7 +31448,7 @@
   <a:extraClrSchemeLst/>
   <a:extLst>
     <a:ext uri="{05A4C25C-085E-4340-85A3-A5531E510DB2}">
-      <thm15:themeFamily xmlns="" xmlns:thm15="http://schemas.microsoft.com/office/thememl/2012/main" name="Office Theme" id="{62F939B6-93AF-4DB8-9C6B-D6C7DFDC589F}" vid="{4A3C46E8-61CC-4603-A589-7422A47A8E4A}"/>
+      <thm15:themeFamily xmlns:thm15="http://schemas.microsoft.com/office/thememl/2012/main" xmlns="" name="Office Theme" id="{62F939B6-93AF-4DB8-9C6B-D6C7DFDC589F}" vid="{4A3C46E8-61CC-4603-A589-7422A47A8E4A}"/>
     </a:ext>
   </a:extLst>
 </a:theme>
